--- a/Documents/Team G - Design Presentation & Document.pptx
+++ b/Documents/Team G - Design Presentation & Document.pptx
@@ -27,6 +27,9 @@
     <p:sldId id="274" r:id="rId22"/>
     <p:sldId id="275" r:id="rId23"/>
     <p:sldId id="276" r:id="rId24"/>
+    <p:sldId id="277" r:id="rId25"/>
+    <p:sldId id="278" r:id="rId26"/>
+    <p:sldId id="279" r:id="rId27"/>
   </p:sldIdLst>
   <p:sldSz cx="10080625" cy="7559675"/>
   <p:notesSz cx="7559675" cy="10691812"/>
@@ -2381,7 +2384,7 @@
         <p:spPr>
           <a:xfrm>
             <a:off x="720" y="720"/>
-            <a:ext cx="10078560" cy="7558560"/>
+            <a:ext cx="10078200" cy="7558200"/>
           </a:xfrm>
           <a:prstGeom prst="rect">
             <a:avLst/>
@@ -2597,7 +2600,7 @@
         <p:spPr>
           <a:xfrm>
             <a:off x="720" y="720"/>
-            <a:ext cx="10078560" cy="7558560"/>
+            <a:ext cx="10078200" cy="7558200"/>
           </a:xfrm>
           <a:prstGeom prst="rect">
             <a:avLst/>
@@ -2807,7 +2810,7 @@
         <p:spPr>
           <a:xfrm>
             <a:off x="504000" y="301320"/>
-            <a:ext cx="9070560" cy="1261080"/>
+            <a:ext cx="9070200" cy="1260720"/>
           </a:xfrm>
           <a:prstGeom prst="rect">
             <a:avLst/>
@@ -2844,7 +2847,7 @@
         <p:spPr>
           <a:xfrm>
             <a:off x="504000" y="1769040"/>
-            <a:ext cx="9070560" cy="4383360"/>
+            <a:ext cx="9070200" cy="4383000"/>
           </a:xfrm>
           <a:prstGeom prst="rect">
             <a:avLst/>
@@ -2949,7 +2952,7 @@
         <p:spPr>
           <a:xfrm>
             <a:off x="1296000" y="1800000"/>
-            <a:ext cx="7320960" cy="3945240"/>
+            <a:ext cx="7320600" cy="3944880"/>
           </a:xfrm>
           <a:prstGeom prst="rect">
             <a:avLst/>
@@ -3017,7 +3020,7 @@
         <p:spPr>
           <a:xfrm>
             <a:off x="504000" y="576000"/>
-            <a:ext cx="7198920" cy="718920"/>
+            <a:ext cx="7198560" cy="718560"/>
           </a:xfrm>
           <a:prstGeom prst="rect">
             <a:avLst/>
@@ -3049,7 +3052,7 @@
         <p:spPr>
           <a:xfrm>
             <a:off x="504000" y="1769040"/>
-            <a:ext cx="9070560" cy="4383360"/>
+            <a:ext cx="9070200" cy="4383000"/>
           </a:xfrm>
           <a:prstGeom prst="rect">
             <a:avLst/>
@@ -3075,7 +3078,7 @@
         <p:spPr>
           <a:xfrm>
             <a:off x="432000" y="1872000"/>
-            <a:ext cx="9072000" cy="5256000"/>
+            <a:ext cx="9071640" cy="5255640"/>
           </a:xfrm>
           <a:prstGeom prst="rect">
             <a:avLst/>
@@ -3143,7 +3146,7 @@
         <p:spPr>
           <a:xfrm>
             <a:off x="504000" y="576000"/>
-            <a:ext cx="7198920" cy="718920"/>
+            <a:ext cx="7198560" cy="718560"/>
           </a:xfrm>
           <a:prstGeom prst="rect">
             <a:avLst/>
@@ -3175,7 +3178,7 @@
         <p:spPr>
           <a:xfrm>
             <a:off x="504000" y="1769040"/>
-            <a:ext cx="9070560" cy="4383360"/>
+            <a:ext cx="9070200" cy="4383000"/>
           </a:xfrm>
           <a:prstGeom prst="rect">
             <a:avLst/>
@@ -3201,7 +3204,7 @@
         <p:spPr>
           <a:xfrm>
             <a:off x="390240" y="1800000"/>
-            <a:ext cx="9185760" cy="5328000"/>
+            <a:ext cx="9185400" cy="5327640"/>
           </a:xfrm>
           <a:prstGeom prst="rect">
             <a:avLst/>
@@ -3269,7 +3272,7 @@
         <p:spPr>
           <a:xfrm>
             <a:off x="504000" y="576000"/>
-            <a:ext cx="7198920" cy="718920"/>
+            <a:ext cx="7198560" cy="718560"/>
           </a:xfrm>
           <a:prstGeom prst="rect">
             <a:avLst/>
@@ -3301,7 +3304,7 @@
         <p:spPr>
           <a:xfrm>
             <a:off x="504000" y="1769040"/>
-            <a:ext cx="9070560" cy="4383360"/>
+            <a:ext cx="9070200" cy="4383000"/>
           </a:xfrm>
           <a:prstGeom prst="rect">
             <a:avLst/>
@@ -3327,7 +3330,7 @@
         <p:spPr>
           <a:xfrm>
             <a:off x="1296000" y="1800000"/>
-            <a:ext cx="7416000" cy="5316120"/>
+            <a:ext cx="7415640" cy="5315760"/>
           </a:xfrm>
           <a:prstGeom prst="rect">
             <a:avLst/>
@@ -3395,7 +3398,7 @@
         <p:spPr>
           <a:xfrm>
             <a:off x="504000" y="576000"/>
-            <a:ext cx="7198920" cy="718920"/>
+            <a:ext cx="7198560" cy="718560"/>
           </a:xfrm>
           <a:prstGeom prst="rect">
             <a:avLst/>
@@ -3427,7 +3430,7 @@
         <p:spPr>
           <a:xfrm>
             <a:off x="504000" y="1769040"/>
-            <a:ext cx="9070560" cy="4383360"/>
+            <a:ext cx="9070200" cy="4383000"/>
           </a:xfrm>
           <a:prstGeom prst="rect">
             <a:avLst/>
@@ -3453,7 +3456,7 @@
         <p:spPr>
           <a:xfrm>
             <a:off x="720000" y="1800000"/>
-            <a:ext cx="8573760" cy="5197680"/>
+            <a:ext cx="8573400" cy="5197320"/>
           </a:xfrm>
           <a:prstGeom prst="rect">
             <a:avLst/>
@@ -3521,7 +3524,7 @@
         <p:spPr>
           <a:xfrm>
             <a:off x="504000" y="576000"/>
-            <a:ext cx="7198920" cy="718920"/>
+            <a:ext cx="7198560" cy="718560"/>
           </a:xfrm>
           <a:prstGeom prst="rect">
             <a:avLst/>
@@ -3538,7 +3541,7 @@
               <a:rPr lang="en-IE" sz="2800">
                 <a:latin typeface="Arial"/>
               </a:rPr>
-              <a:t>GUI Design – Android -  Login</a:t>
+              <a:t>GUI Design – Desktop – Login</a:t>
             </a:r>
             <a:endParaRPr/>
           </a:p>
@@ -3553,7 +3556,7 @@
         <p:spPr>
           <a:xfrm>
             <a:off x="504000" y="1769040"/>
-            <a:ext cx="9070560" cy="4383360"/>
+            <a:ext cx="9070200" cy="4383000"/>
           </a:xfrm>
           <a:prstGeom prst="rect">
             <a:avLst/>
@@ -3578,8 +3581,8 @@
         </p:blipFill>
         <p:spPr>
           <a:xfrm>
-            <a:off x="446760" y="1512000"/>
-            <a:ext cx="2865240" cy="5256000"/>
+            <a:off x="720000" y="1800000"/>
+            <a:ext cx="7487640" cy="4967640"/>
           </a:xfrm>
           <a:prstGeom prst="rect">
             <a:avLst/>
@@ -3589,82 +3592,6 @@
           </a:ln>
         </p:spPr>
       </p:pic>
-      <p:pic>
-        <p:nvPicPr>
-          <p:cNvPr id="111" name="" descr=""/>
-          <p:cNvPicPr/>
-          <p:nvPr/>
-        </p:nvPicPr>
-        <p:blipFill>
-          <a:blip r:embed="rId2"/>
-          <a:stretch>
-            <a:fillRect/>
-          </a:stretch>
-        </p:blipFill>
-        <p:spPr>
-          <a:xfrm>
-            <a:off x="4032000" y="1512000"/>
-            <a:ext cx="5616000" cy="5225400"/>
-          </a:xfrm>
-          <a:prstGeom prst="rect">
-            <a:avLst/>
-          </a:prstGeom>
-          <a:ln>
-            <a:noFill/>
-          </a:ln>
-        </p:spPr>
-      </p:pic>
-      <p:sp>
-        <p:nvSpPr>
-          <p:cNvPr id="112" name="CustomShape 3"/>
-          <p:cNvSpPr/>
-          <p:nvPr/>
-        </p:nvSpPr>
-        <p:spPr>
-          <a:xfrm>
-            <a:off x="3168000" y="3888000"/>
-            <a:ext cx="864000" cy="792000"/>
-          </a:xfrm>
-          <a:prstGeom prst="rightArrow">
-            <a:avLst>
-              <a:gd name="adj1" fmla="val 16200"/>
-              <a:gd name="adj2" fmla="val 5400"/>
-            </a:avLst>
-          </a:prstGeom>
-          <a:solidFill>
-            <a:srgbClr val="729fcf"/>
-          </a:solidFill>
-          <a:ln>
-            <a:solidFill>
-              <a:srgbClr val="3465a4"/>
-            </a:solidFill>
-          </a:ln>
-        </p:spPr>
-      </p:sp>
-      <p:sp>
-        <p:nvSpPr>
-          <p:cNvPr id="113" name="CustomShape 4"/>
-          <p:cNvSpPr/>
-          <p:nvPr/>
-        </p:nvSpPr>
-        <p:spPr>
-          <a:xfrm>
-            <a:off x="2592000" y="4104000"/>
-            <a:ext cx="360000" cy="360000"/>
-          </a:xfrm>
-          <a:prstGeom prst="ellipse">
-            <a:avLst/>
-          </a:prstGeom>
-          <a:solidFill>
-            <a:srgbClr val="729fcf"/>
-          </a:solidFill>
-          <a:ln>
-            <a:solidFill>
-              <a:srgbClr val="3465a4"/>
-            </a:solidFill>
-          </a:ln>
-        </p:spPr>
-      </p:sp>
     </p:spTree>
   </p:cSld>
   <p:timing>
@@ -3716,14 +3643,14 @@
       </p:grpSpPr>
       <p:sp>
         <p:nvSpPr>
-          <p:cNvPr id="114" name="CustomShape 1"/>
+          <p:cNvPr id="111" name="CustomShape 1"/>
           <p:cNvSpPr/>
           <p:nvPr/>
         </p:nvSpPr>
         <p:spPr>
           <a:xfrm>
             <a:off x="504000" y="576000"/>
-            <a:ext cx="7198920" cy="718920"/>
+            <a:ext cx="7198560" cy="718560"/>
           </a:xfrm>
           <a:prstGeom prst="rect">
             <a:avLst/>
@@ -3740,7 +3667,7 @@
               <a:rPr lang="en-IE" sz="2800">
                 <a:latin typeface="Arial"/>
               </a:rPr>
-              <a:t>GUI Design – Android – Testing the car</a:t>
+              <a:t>GUI Design – Desktop – Mechanic - Bookings</a:t>
             </a:r>
             <a:endParaRPr/>
           </a:p>
@@ -3748,14 +3675,14 @@
       </p:sp>
       <p:sp>
         <p:nvSpPr>
-          <p:cNvPr id="115" name="CustomShape 2"/>
+          <p:cNvPr id="112" name="CustomShape 2"/>
           <p:cNvSpPr/>
           <p:nvPr/>
         </p:nvSpPr>
         <p:spPr>
           <a:xfrm>
             <a:off x="504000" y="1769040"/>
-            <a:ext cx="9070560" cy="4383360"/>
+            <a:ext cx="9070200" cy="4383000"/>
           </a:xfrm>
           <a:prstGeom prst="rect">
             <a:avLst/>
@@ -3768,7 +3695,7 @@
       </p:sp>
       <p:pic>
         <p:nvPicPr>
-          <p:cNvPr id="116" name="" descr=""/>
+          <p:cNvPr id="113" name="" descr=""/>
           <p:cNvPicPr/>
           <p:nvPr/>
         </p:nvPicPr>
@@ -3780,8 +3707,8 @@
         </p:blipFill>
         <p:spPr>
           <a:xfrm>
-            <a:off x="504000" y="1542600"/>
-            <a:ext cx="5616000" cy="5225400"/>
+            <a:off x="555840" y="1760400"/>
+            <a:ext cx="8443800" cy="4935240"/>
           </a:xfrm>
           <a:prstGeom prst="rect">
             <a:avLst/>
@@ -3791,133 +3718,6 @@
           </a:ln>
         </p:spPr>
       </p:pic>
-      <p:sp>
-        <p:nvSpPr>
-          <p:cNvPr id="117" name="CustomShape 3"/>
-          <p:cNvSpPr/>
-          <p:nvPr/>
-        </p:nvSpPr>
-        <p:spPr>
-          <a:xfrm>
-            <a:off x="2952000" y="3312000"/>
-            <a:ext cx="2808000" cy="792000"/>
-          </a:xfrm>
-          <a:prstGeom prst="rightArrow">
-            <a:avLst>
-              <a:gd name="adj1" fmla="val 16200"/>
-              <a:gd name="adj2" fmla="val 5400"/>
-            </a:avLst>
-          </a:prstGeom>
-          <a:solidFill>
-            <a:srgbClr val="729fcf"/>
-          </a:solidFill>
-          <a:ln>
-            <a:solidFill>
-              <a:srgbClr val="3465a4"/>
-            </a:solidFill>
-          </a:ln>
-        </p:spPr>
-      </p:sp>
-      <p:pic>
-        <p:nvPicPr>
-          <p:cNvPr id="118" name="" descr=""/>
-          <p:cNvPicPr/>
-          <p:nvPr/>
-        </p:nvPicPr>
-        <p:blipFill>
-          <a:blip r:embed="rId2"/>
-          <a:stretch>
-            <a:fillRect/>
-          </a:stretch>
-        </p:blipFill>
-        <p:spPr>
-          <a:xfrm>
-            <a:off x="6048000" y="1584000"/>
-            <a:ext cx="2808000" cy="5184000"/>
-          </a:xfrm>
-          <a:prstGeom prst="rect">
-            <a:avLst/>
-          </a:prstGeom>
-          <a:ln>
-            <a:noFill/>
-          </a:ln>
-        </p:spPr>
-      </p:pic>
-      <p:sp>
-        <p:nvSpPr>
-          <p:cNvPr id="119" name="CustomShape 4"/>
-          <p:cNvSpPr/>
-          <p:nvPr/>
-        </p:nvSpPr>
-        <p:spPr>
-          <a:xfrm>
-            <a:off x="7848000" y="5184000"/>
-            <a:ext cx="576000" cy="576000"/>
-          </a:xfrm>
-          <a:prstGeom prst="ellipse">
-            <a:avLst/>
-          </a:prstGeom>
-          <a:solidFill>
-            <a:srgbClr val="729fcf"/>
-          </a:solidFill>
-          <a:ln>
-            <a:solidFill>
-              <a:srgbClr val="3465a4"/>
-            </a:solidFill>
-          </a:ln>
-        </p:spPr>
-      </p:sp>
-      <p:sp>
-        <p:nvSpPr>
-          <p:cNvPr id="120" name="CustomShape 5"/>
-          <p:cNvSpPr/>
-          <p:nvPr/>
-        </p:nvSpPr>
-        <p:spPr>
-          <a:xfrm>
-            <a:off x="3168000" y="5184000"/>
-            <a:ext cx="2880000" cy="720000"/>
-          </a:xfrm>
-          <a:prstGeom prst="leftArrow">
-            <a:avLst>
-              <a:gd name="adj1" fmla="val 5400"/>
-              <a:gd name="adj2" fmla="val 5400"/>
-            </a:avLst>
-          </a:prstGeom>
-          <a:solidFill>
-            <a:srgbClr val="729fcf"/>
-          </a:solidFill>
-          <a:ln>
-            <a:solidFill>
-              <a:srgbClr val="3465a4"/>
-            </a:solidFill>
-          </a:ln>
-        </p:spPr>
-      </p:sp>
-      <p:sp>
-        <p:nvSpPr>
-          <p:cNvPr id="121" name="CustomShape 6"/>
-          <p:cNvSpPr/>
-          <p:nvPr/>
-        </p:nvSpPr>
-        <p:spPr>
-          <a:xfrm>
-            <a:off x="2376000" y="3528000"/>
-            <a:ext cx="360000" cy="360000"/>
-          </a:xfrm>
-          <a:prstGeom prst="ellipse">
-            <a:avLst/>
-          </a:prstGeom>
-          <a:solidFill>
-            <a:srgbClr val="729fcf"/>
-          </a:solidFill>
-          <a:ln>
-            <a:solidFill>
-              <a:srgbClr val="3465a4"/>
-            </a:solidFill>
-          </a:ln>
-        </p:spPr>
-      </p:sp>
     </p:spTree>
   </p:cSld>
   <p:timing>
@@ -3969,14 +3769,14 @@
       </p:grpSpPr>
       <p:sp>
         <p:nvSpPr>
-          <p:cNvPr id="122" name="CustomShape 1"/>
+          <p:cNvPr id="114" name="CustomShape 1"/>
           <p:cNvSpPr/>
           <p:nvPr/>
         </p:nvSpPr>
         <p:spPr>
           <a:xfrm>
             <a:off x="504000" y="576000"/>
-            <a:ext cx="7198920" cy="718920"/>
+            <a:ext cx="7198560" cy="718560"/>
           </a:xfrm>
           <a:prstGeom prst="rect">
             <a:avLst/>
@@ -3993,7 +3793,7 @@
               <a:rPr lang="en-IE" sz="2800">
                 <a:latin typeface="Arial"/>
               </a:rPr>
-              <a:t>GUI Design – Desktop – Login</a:t>
+              <a:t>GUI Design – Desktop – Mechanic – Testing Car</a:t>
             </a:r>
             <a:endParaRPr/>
           </a:p>
@@ -4001,14 +3801,14 @@
       </p:sp>
       <p:sp>
         <p:nvSpPr>
-          <p:cNvPr id="123" name="CustomShape 2"/>
+          <p:cNvPr id="115" name="CustomShape 2"/>
           <p:cNvSpPr/>
           <p:nvPr/>
         </p:nvSpPr>
         <p:spPr>
           <a:xfrm>
             <a:off x="504000" y="1769040"/>
-            <a:ext cx="9070560" cy="4383360"/>
+            <a:ext cx="9070200" cy="4383000"/>
           </a:xfrm>
           <a:prstGeom prst="rect">
             <a:avLst/>
@@ -4021,7 +3821,7 @@
       </p:sp>
       <p:pic>
         <p:nvPicPr>
-          <p:cNvPr id="124" name="" descr=""/>
+          <p:cNvPr id="116" name="" descr=""/>
           <p:cNvPicPr/>
           <p:nvPr/>
         </p:nvPicPr>
@@ -4033,8 +3833,8 @@
         </p:blipFill>
         <p:spPr>
           <a:xfrm>
-            <a:off x="720000" y="1800000"/>
-            <a:ext cx="7488000" cy="4968000"/>
+            <a:off x="1080000" y="1944000"/>
+            <a:ext cx="7631640" cy="5180040"/>
           </a:xfrm>
           <a:prstGeom prst="rect">
             <a:avLst/>
@@ -4095,14 +3895,14 @@
       </p:grpSpPr>
       <p:sp>
         <p:nvSpPr>
-          <p:cNvPr id="125" name="CustomShape 1"/>
+          <p:cNvPr id="117" name="CustomShape 1"/>
           <p:cNvSpPr/>
           <p:nvPr/>
         </p:nvSpPr>
         <p:spPr>
           <a:xfrm>
             <a:off x="504000" y="576000"/>
-            <a:ext cx="7198920" cy="718920"/>
+            <a:ext cx="7198560" cy="718560"/>
           </a:xfrm>
           <a:prstGeom prst="rect">
             <a:avLst/>
@@ -4119,7 +3919,7 @@
               <a:rPr lang="en-IE" sz="2800">
                 <a:latin typeface="Arial"/>
               </a:rPr>
-              <a:t>GUI Design – Desktop – Mechanic - Bookings</a:t>
+              <a:t>GUI Design – Desktop – Admin – Bookings</a:t>
             </a:r>
             <a:endParaRPr/>
           </a:p>
@@ -4127,14 +3927,14 @@
       </p:sp>
       <p:sp>
         <p:nvSpPr>
-          <p:cNvPr id="126" name="CustomShape 2"/>
+          <p:cNvPr id="118" name="CustomShape 2"/>
           <p:cNvSpPr/>
           <p:nvPr/>
         </p:nvSpPr>
         <p:spPr>
           <a:xfrm>
             <a:off x="504000" y="1769040"/>
-            <a:ext cx="9070560" cy="4383360"/>
+            <a:ext cx="9070200" cy="4383000"/>
           </a:xfrm>
           <a:prstGeom prst="rect">
             <a:avLst/>
@@ -4147,7 +3947,7 @@
       </p:sp>
       <p:pic>
         <p:nvPicPr>
-          <p:cNvPr id="127" name="" descr=""/>
+          <p:cNvPr id="119" name="" descr=""/>
           <p:cNvPicPr/>
           <p:nvPr/>
         </p:nvPicPr>
@@ -4159,8 +3959,8 @@
         </p:blipFill>
         <p:spPr>
           <a:xfrm>
-            <a:off x="555840" y="1760400"/>
-            <a:ext cx="8444160" cy="4935600"/>
+            <a:off x="1296000" y="1659600"/>
+            <a:ext cx="7122960" cy="5180040"/>
           </a:xfrm>
           <a:prstGeom prst="rect">
             <a:avLst/>
@@ -4170,57 +3970,6 @@
           </a:ln>
         </p:spPr>
       </p:pic>
-      <p:sp>
-        <p:nvSpPr>
-          <p:cNvPr id="128" name="CustomShape 3"/>
-          <p:cNvSpPr/>
-          <p:nvPr/>
-        </p:nvSpPr>
-        <p:spPr>
-          <a:xfrm>
-            <a:off x="5040000" y="3384000"/>
-            <a:ext cx="432000" cy="432000"/>
-          </a:xfrm>
-          <a:prstGeom prst="ellipse">
-            <a:avLst/>
-          </a:prstGeom>
-          <a:solidFill>
-            <a:srgbClr val="729fcf"/>
-          </a:solidFill>
-          <a:ln>
-            <a:solidFill>
-              <a:srgbClr val="3465a4"/>
-            </a:solidFill>
-          </a:ln>
-        </p:spPr>
-      </p:sp>
-      <p:sp>
-        <p:nvSpPr>
-          <p:cNvPr id="129" name="CustomShape 4"/>
-          <p:cNvSpPr/>
-          <p:nvPr/>
-        </p:nvSpPr>
-        <p:spPr>
-          <a:xfrm>
-            <a:off x="5544000" y="3384000"/>
-            <a:ext cx="3312000" cy="432000"/>
-          </a:xfrm>
-          <a:prstGeom prst="rightArrow">
-            <a:avLst>
-              <a:gd name="adj1" fmla="val 16200"/>
-              <a:gd name="adj2" fmla="val 5400"/>
-            </a:avLst>
-          </a:prstGeom>
-          <a:solidFill>
-            <a:srgbClr val="729fcf"/>
-          </a:solidFill>
-          <a:ln>
-            <a:solidFill>
-              <a:srgbClr val="3465a4"/>
-            </a:solidFill>
-          </a:ln>
-        </p:spPr>
-      </p:sp>
     </p:spTree>
   </p:cSld>
   <p:timing>
@@ -4272,14 +4021,14 @@
       </p:grpSpPr>
       <p:sp>
         <p:nvSpPr>
-          <p:cNvPr id="130" name="CustomShape 1"/>
+          <p:cNvPr id="120" name="CustomShape 1"/>
           <p:cNvSpPr/>
           <p:nvPr/>
         </p:nvSpPr>
         <p:spPr>
           <a:xfrm>
             <a:off x="504000" y="576000"/>
-            <a:ext cx="7198920" cy="718920"/>
+            <a:ext cx="7198560" cy="718560"/>
           </a:xfrm>
           <a:prstGeom prst="rect">
             <a:avLst/>
@@ -4296,7 +4045,7 @@
               <a:rPr lang="en-IE" sz="2800">
                 <a:latin typeface="Arial"/>
               </a:rPr>
-              <a:t>GUI Design – Desktop – Mechanic – Testing Car</a:t>
+              <a:t>GUI Design – Desktop – Admin – Add Booking</a:t>
             </a:r>
             <a:endParaRPr/>
           </a:p>
@@ -4304,14 +4053,14 @@
       </p:sp>
       <p:sp>
         <p:nvSpPr>
-          <p:cNvPr id="131" name="CustomShape 2"/>
+          <p:cNvPr id="121" name="CustomShape 2"/>
           <p:cNvSpPr/>
           <p:nvPr/>
         </p:nvSpPr>
         <p:spPr>
           <a:xfrm>
             <a:off x="504000" y="1769040"/>
-            <a:ext cx="9070560" cy="4383360"/>
+            <a:ext cx="9070200" cy="4383000"/>
           </a:xfrm>
           <a:prstGeom prst="rect">
             <a:avLst/>
@@ -4324,7 +4073,7 @@
       </p:sp>
       <p:pic>
         <p:nvPicPr>
-          <p:cNvPr id="132" name="" descr=""/>
+          <p:cNvPr id="122" name="" descr=""/>
           <p:cNvPicPr/>
           <p:nvPr/>
         </p:nvPicPr>
@@ -4336,8 +4085,8 @@
         </p:blipFill>
         <p:spPr>
           <a:xfrm>
-            <a:off x="1080000" y="1944000"/>
-            <a:ext cx="7632000" cy="5180400"/>
+            <a:off x="1368000" y="1800000"/>
+            <a:ext cx="7148160" cy="5256360"/>
           </a:xfrm>
           <a:prstGeom prst="rect">
             <a:avLst/>
@@ -4398,14 +4147,14 @@
       </p:grpSpPr>
       <p:sp>
         <p:nvSpPr>
-          <p:cNvPr id="133" name="CustomShape 1"/>
+          <p:cNvPr id="123" name="CustomShape 1"/>
           <p:cNvSpPr/>
           <p:nvPr/>
         </p:nvSpPr>
         <p:spPr>
           <a:xfrm>
             <a:off x="504000" y="576000"/>
-            <a:ext cx="7198920" cy="718920"/>
+            <a:ext cx="7198560" cy="718560"/>
           </a:xfrm>
           <a:prstGeom prst="rect">
             <a:avLst/>
@@ -4422,7 +4171,7 @@
               <a:rPr lang="en-IE" sz="2800">
                 <a:latin typeface="Arial"/>
               </a:rPr>
-              <a:t>GUI Design – Desktop – Admin – Bookings</a:t>
+              <a:t>GUI Design – Desktop – Admin – Edit Booking</a:t>
             </a:r>
             <a:endParaRPr/>
           </a:p>
@@ -4430,14 +4179,14 @@
       </p:sp>
       <p:sp>
         <p:nvSpPr>
-          <p:cNvPr id="134" name="CustomShape 2"/>
+          <p:cNvPr id="124" name="CustomShape 2"/>
           <p:cNvSpPr/>
           <p:nvPr/>
         </p:nvSpPr>
         <p:spPr>
           <a:xfrm>
             <a:off x="504000" y="1769040"/>
-            <a:ext cx="9070560" cy="4383360"/>
+            <a:ext cx="9070200" cy="4383000"/>
           </a:xfrm>
           <a:prstGeom prst="rect">
             <a:avLst/>
@@ -4450,7 +4199,7 @@
       </p:sp>
       <p:pic>
         <p:nvPicPr>
-          <p:cNvPr id="135" name="" descr=""/>
+          <p:cNvPr id="125" name="" descr=""/>
           <p:cNvPicPr/>
           <p:nvPr/>
         </p:nvPicPr>
@@ -4462,8 +4211,8 @@
         </p:blipFill>
         <p:spPr>
           <a:xfrm>
-            <a:off x="1296000" y="1659600"/>
-            <a:ext cx="7123320" cy="5180400"/>
+            <a:off x="1296000" y="1820520"/>
+            <a:ext cx="7034040" cy="5091120"/>
           </a:xfrm>
           <a:prstGeom prst="rect">
             <a:avLst/>
@@ -4531,7 +4280,7 @@
         <p:spPr>
           <a:xfrm>
             <a:off x="504000" y="301320"/>
-            <a:ext cx="9070560" cy="1261080"/>
+            <a:ext cx="9070200" cy="1260720"/>
           </a:xfrm>
           <a:prstGeom prst="rect">
             <a:avLst/>
@@ -4563,7 +4312,7 @@
         <p:spPr>
           <a:xfrm>
             <a:off x="504000" y="1769040"/>
-            <a:ext cx="9070560" cy="4383360"/>
+            <a:ext cx="9070200" cy="4383000"/>
           </a:xfrm>
           <a:prstGeom prst="rect">
             <a:avLst/>
@@ -4585,11 +4334,33 @@
               <a:buChar char="l"/>
             </a:pPr>
             <a:r>
-              <a:rPr lang="en-IE" sz="4400">
+              <a:rPr lang="en-IE" sz="3600">
                 <a:latin typeface="Arial"/>
               </a:rPr>
               <a:t>A system for garages to use for receiving and editing bookings</a:t>
             </a:r>
+            <a:endParaRPr/>
+          </a:p>
+          <a:p>
+            <a:pPr>
+              <a:lnSpc>
+                <a:spcPct val="100000"/>
+              </a:lnSpc>
+              <a:buSzPct val="45000"/>
+              <a:buFont typeface="StarSymbol"/>
+              <a:buChar char="l"/>
+            </a:pPr>
+            <a:endParaRPr/>
+          </a:p>
+          <a:p>
+            <a:pPr>
+              <a:lnSpc>
+                <a:spcPct val="100000"/>
+              </a:lnSpc>
+              <a:buSzPct val="45000"/>
+              <a:buFont typeface="StarSymbol"/>
+              <a:buChar char="l"/>
+            </a:pPr>
             <a:endParaRPr/>
           </a:p>
           <a:p>
@@ -4602,7 +4373,7 @@
               <a:buChar char="l"/>
             </a:pPr>
             <a:r>
-              <a:rPr lang="en-IE" sz="4400">
+              <a:rPr lang="en-IE" sz="3600">
                 <a:latin typeface="Arial"/>
               </a:rPr>
               <a:t>The system also supports the ability to log test results</a:t>
@@ -4662,14 +4433,14 @@
       </p:grpSpPr>
       <p:sp>
         <p:nvSpPr>
-          <p:cNvPr id="136" name="CustomShape 1"/>
+          <p:cNvPr id="126" name="CustomShape 1"/>
           <p:cNvSpPr/>
           <p:nvPr/>
         </p:nvSpPr>
         <p:spPr>
           <a:xfrm>
             <a:off x="504000" y="576000"/>
-            <a:ext cx="7198920" cy="718920"/>
+            <a:ext cx="7198560" cy="718560"/>
           </a:xfrm>
           <a:prstGeom prst="rect">
             <a:avLst/>
@@ -4686,7 +4457,7 @@
               <a:rPr lang="en-IE" sz="2800">
                 <a:latin typeface="Arial"/>
               </a:rPr>
-              <a:t>GUI Design – Desktop – Admin – Add Booking</a:t>
+              <a:t>GUI Design – Android -  Login and Car list</a:t>
             </a:r>
             <a:endParaRPr/>
           </a:p>
@@ -4694,14 +4465,14 @@
       </p:sp>
       <p:sp>
         <p:nvSpPr>
-          <p:cNvPr id="137" name="CustomShape 2"/>
+          <p:cNvPr id="127" name="CustomShape 2"/>
           <p:cNvSpPr/>
           <p:nvPr/>
         </p:nvSpPr>
         <p:spPr>
           <a:xfrm>
             <a:off x="504000" y="1769040"/>
-            <a:ext cx="9070560" cy="4383360"/>
+            <a:ext cx="9070200" cy="4383000"/>
           </a:xfrm>
           <a:prstGeom prst="rect">
             <a:avLst/>
@@ -4714,7 +4485,7 @@
       </p:sp>
       <p:pic>
         <p:nvPicPr>
-          <p:cNvPr id="138" name="" descr=""/>
+          <p:cNvPr id="128" name="" descr=""/>
           <p:cNvPicPr/>
           <p:nvPr/>
         </p:nvPicPr>
@@ -4726,8 +4497,33 @@
         </p:blipFill>
         <p:spPr>
           <a:xfrm>
-            <a:off x="1368000" y="1800000"/>
-            <a:ext cx="7148520" cy="5256720"/>
+            <a:off x="727560" y="1728000"/>
+            <a:ext cx="3808440" cy="5415840"/>
+          </a:xfrm>
+          <a:prstGeom prst="rect">
+            <a:avLst/>
+          </a:prstGeom>
+          <a:ln>
+            <a:noFill/>
+          </a:ln>
+        </p:spPr>
+      </p:pic>
+      <p:pic>
+        <p:nvPicPr>
+          <p:cNvPr id="129" name="" descr=""/>
+          <p:cNvPicPr/>
+          <p:nvPr/>
+        </p:nvPicPr>
+        <p:blipFill>
+          <a:blip r:embed="rId2"/>
+          <a:stretch>
+            <a:fillRect/>
+          </a:stretch>
+        </p:blipFill>
+        <p:spPr>
+          <a:xfrm>
+            <a:off x="5256000" y="1800000"/>
+            <a:ext cx="3888000" cy="5328000"/>
           </a:xfrm>
           <a:prstGeom prst="rect">
             <a:avLst/>
@@ -4788,14 +4584,14 @@
       </p:grpSpPr>
       <p:sp>
         <p:nvSpPr>
-          <p:cNvPr id="139" name="CustomShape 1"/>
+          <p:cNvPr id="130" name="CustomShape 1"/>
           <p:cNvSpPr/>
           <p:nvPr/>
         </p:nvSpPr>
         <p:spPr>
           <a:xfrm>
             <a:off x="504000" y="576000"/>
-            <a:ext cx="7198920" cy="718920"/>
+            <a:ext cx="7198560" cy="718560"/>
           </a:xfrm>
           <a:prstGeom prst="rect">
             <a:avLst/>
@@ -4812,7 +4608,7 @@
               <a:rPr lang="en-IE" sz="2800">
                 <a:latin typeface="Arial"/>
               </a:rPr>
-              <a:t>GUI Design – Desktop – Admin – Edit Booking</a:t>
+              <a:t>GUI Design – Android – Testing the car</a:t>
             </a:r>
             <a:endParaRPr/>
           </a:p>
@@ -4820,14 +4616,14 @@
       </p:sp>
       <p:sp>
         <p:nvSpPr>
-          <p:cNvPr id="140" name="CustomShape 2"/>
+          <p:cNvPr id="131" name="CustomShape 2"/>
           <p:cNvSpPr/>
           <p:nvPr/>
         </p:nvSpPr>
         <p:spPr>
           <a:xfrm>
             <a:off x="504000" y="1769040"/>
-            <a:ext cx="9070560" cy="4383360"/>
+            <a:ext cx="9070200" cy="4383000"/>
           </a:xfrm>
           <a:prstGeom prst="rect">
             <a:avLst/>
@@ -4840,7 +4636,7 @@
       </p:sp>
       <p:pic>
         <p:nvPicPr>
-          <p:cNvPr id="141" name="" descr=""/>
+          <p:cNvPr id="132" name="" descr=""/>
           <p:cNvPicPr/>
           <p:nvPr/>
         </p:nvPicPr>
@@ -4852,8 +4648,8 @@
         </p:blipFill>
         <p:spPr>
           <a:xfrm>
-            <a:off x="1296000" y="1820520"/>
-            <a:ext cx="7034400" cy="5091480"/>
+            <a:off x="3017520" y="1512000"/>
+            <a:ext cx="4038480" cy="5688000"/>
           </a:xfrm>
           <a:prstGeom prst="rect">
             <a:avLst/>
@@ -4872,6 +4668,459 @@
           <p:childTnLst>
             <p:seq>
               <p:cTn id="42" nodeType="mainSeq"/>
+              <p:prevCondLst>
+                <p:cond delay="0" evt="onPrev">
+                  <p:tgtEl>
+                    <p:sldTgt/>
+                  </p:tgtEl>
+                </p:cond>
+              </p:prevCondLst>
+              <p:nextCondLst>
+                <p:cond delay="0" evt="onNext">
+                  <p:tgtEl>
+                    <p:sldTgt/>
+                  </p:tgtEl>
+                </p:cond>
+              </p:nextCondLst>
+            </p:seq>
+          </p:childTnLst>
+        </p:cTn>
+      </p:par>
+    </p:tnLst>
+  </p:timing>
+</p:sld>
+</file>
+
+<file path=ppt/slides/slide22.xml><?xml version="1.0" encoding="utf-8"?>
+<p:sld xmlns:a="http://schemas.openxmlformats.org/drawingml/2006/main" xmlns:p="http://schemas.openxmlformats.org/presentationml/2006/main" xmlns:r="http://schemas.openxmlformats.org/officeDocument/2006/relationships">
+  <p:cSld>
+    <p:spTree>
+      <p:nvGrpSpPr>
+        <p:cNvPr id="1" name=""/>
+        <p:cNvGrpSpPr/>
+        <p:nvPr/>
+      </p:nvGrpSpPr>
+      <p:grpSpPr>
+        <a:xfrm>
+          <a:off x="0" y="0"/>
+          <a:ext cx="0" cy="0"/>
+          <a:chOff x="0" y="0"/>
+          <a:chExt cx="0" cy="0"/>
+        </a:xfrm>
+      </p:grpSpPr>
+      <p:sp>
+        <p:nvSpPr>
+          <p:cNvPr id="133" name="CustomShape 1"/>
+          <p:cNvSpPr/>
+          <p:nvPr/>
+        </p:nvSpPr>
+        <p:spPr>
+          <a:xfrm>
+            <a:off x="504000" y="576000"/>
+            <a:ext cx="7198560" cy="718560"/>
+          </a:xfrm>
+          <a:prstGeom prst="rect">
+            <a:avLst/>
+          </a:prstGeom>
+          <a:noFill/>
+          <a:ln>
+            <a:noFill/>
+          </a:ln>
+        </p:spPr>
+        <p:txBody>
+          <a:bodyPr lIns="0" rIns="0" tIns="0" bIns="0" anchor="ctr"/>
+          <a:p>
+            <a:r>
+              <a:rPr lang="en-IE" sz="2800">
+                <a:latin typeface="Arial"/>
+              </a:rPr>
+              <a:t>GUI Design – Android – Testing the car - Confirmation</a:t>
+            </a:r>
+            <a:endParaRPr/>
+          </a:p>
+        </p:txBody>
+      </p:sp>
+      <p:sp>
+        <p:nvSpPr>
+          <p:cNvPr id="134" name="CustomShape 2"/>
+          <p:cNvSpPr/>
+          <p:nvPr/>
+        </p:nvSpPr>
+        <p:spPr>
+          <a:xfrm>
+            <a:off x="504000" y="1769040"/>
+            <a:ext cx="9070200" cy="4383000"/>
+          </a:xfrm>
+          <a:prstGeom prst="rect">
+            <a:avLst/>
+          </a:prstGeom>
+          <a:noFill/>
+          <a:ln>
+            <a:noFill/>
+          </a:ln>
+        </p:spPr>
+      </p:sp>
+      <p:pic>
+        <p:nvPicPr>
+          <p:cNvPr id="135" name="" descr=""/>
+          <p:cNvPicPr/>
+          <p:nvPr/>
+        </p:nvPicPr>
+        <p:blipFill>
+          <a:blip r:embed="rId1"/>
+          <a:stretch>
+            <a:fillRect/>
+          </a:stretch>
+        </p:blipFill>
+        <p:spPr>
+          <a:xfrm>
+            <a:off x="383400" y="1656000"/>
+            <a:ext cx="3864600" cy="5527080"/>
+          </a:xfrm>
+          <a:prstGeom prst="rect">
+            <a:avLst/>
+          </a:prstGeom>
+          <a:ln>
+            <a:noFill/>
+          </a:ln>
+        </p:spPr>
+      </p:pic>
+      <p:pic>
+        <p:nvPicPr>
+          <p:cNvPr id="136" name="" descr=""/>
+          <p:cNvPicPr/>
+          <p:nvPr/>
+        </p:nvPicPr>
+        <p:blipFill>
+          <a:blip r:embed="rId2"/>
+          <a:stretch>
+            <a:fillRect/>
+          </a:stretch>
+        </p:blipFill>
+        <p:spPr>
+          <a:xfrm>
+            <a:off x="4824000" y="1656000"/>
+            <a:ext cx="4155480" cy="5544000"/>
+          </a:xfrm>
+          <a:prstGeom prst="rect">
+            <a:avLst/>
+          </a:prstGeom>
+          <a:ln>
+            <a:noFill/>
+          </a:ln>
+        </p:spPr>
+      </p:pic>
+    </p:spTree>
+  </p:cSld>
+  <p:timing>
+    <p:tnLst>
+      <p:par>
+        <p:cTn id="43" dur="indefinite" restart="never" nodeType="tmRoot">
+          <p:childTnLst>
+            <p:seq>
+              <p:cTn id="44" nodeType="mainSeq"/>
+              <p:prevCondLst>
+                <p:cond delay="0" evt="onPrev">
+                  <p:tgtEl>
+                    <p:sldTgt/>
+                  </p:tgtEl>
+                </p:cond>
+              </p:prevCondLst>
+              <p:nextCondLst>
+                <p:cond delay="0" evt="onNext">
+                  <p:tgtEl>
+                    <p:sldTgt/>
+                  </p:tgtEl>
+                </p:cond>
+              </p:nextCondLst>
+            </p:seq>
+          </p:childTnLst>
+        </p:cTn>
+      </p:par>
+    </p:tnLst>
+  </p:timing>
+</p:sld>
+</file>
+
+<file path=ppt/slides/slide23.xml><?xml version="1.0" encoding="utf-8"?>
+<p:sld xmlns:a="http://schemas.openxmlformats.org/drawingml/2006/main" xmlns:p="http://schemas.openxmlformats.org/presentationml/2006/main" xmlns:r="http://schemas.openxmlformats.org/officeDocument/2006/relationships">
+  <p:cSld>
+    <p:spTree>
+      <p:nvGrpSpPr>
+        <p:cNvPr id="1" name=""/>
+        <p:cNvGrpSpPr/>
+        <p:nvPr/>
+      </p:nvGrpSpPr>
+      <p:grpSpPr>
+        <a:xfrm>
+          <a:off x="0" y="0"/>
+          <a:ext cx="0" cy="0"/>
+          <a:chOff x="0" y="0"/>
+          <a:chExt cx="0" cy="0"/>
+        </a:xfrm>
+      </p:grpSpPr>
+      <p:sp>
+        <p:nvSpPr>
+          <p:cNvPr id="137" name="CustomShape 1"/>
+          <p:cNvSpPr/>
+          <p:nvPr/>
+        </p:nvSpPr>
+        <p:spPr>
+          <a:xfrm>
+            <a:off x="504000" y="576000"/>
+            <a:ext cx="7198560" cy="718560"/>
+          </a:xfrm>
+          <a:prstGeom prst="rect">
+            <a:avLst/>
+          </a:prstGeom>
+          <a:noFill/>
+          <a:ln>
+            <a:noFill/>
+          </a:ln>
+        </p:spPr>
+        <p:txBody>
+          <a:bodyPr lIns="0" rIns="0" tIns="0" bIns="0" anchor="ctr"/>
+          <a:p>
+            <a:r>
+              <a:rPr lang="en-IE" sz="2800">
+                <a:latin typeface="Arial"/>
+              </a:rPr>
+              <a:t>GUI Design – Android – Bookings list</a:t>
+            </a:r>
+            <a:endParaRPr/>
+          </a:p>
+        </p:txBody>
+      </p:sp>
+      <p:sp>
+        <p:nvSpPr>
+          <p:cNvPr id="138" name="CustomShape 2"/>
+          <p:cNvSpPr/>
+          <p:nvPr/>
+        </p:nvSpPr>
+        <p:spPr>
+          <a:xfrm>
+            <a:off x="504000" y="1769040"/>
+            <a:ext cx="9070200" cy="4383000"/>
+          </a:xfrm>
+          <a:prstGeom prst="rect">
+            <a:avLst/>
+          </a:prstGeom>
+          <a:noFill/>
+          <a:ln>
+            <a:noFill/>
+          </a:ln>
+        </p:spPr>
+      </p:sp>
+      <p:pic>
+        <p:nvPicPr>
+          <p:cNvPr id="139" name="" descr=""/>
+          <p:cNvPicPr/>
+          <p:nvPr/>
+        </p:nvPicPr>
+        <p:blipFill>
+          <a:blip r:embed="rId1"/>
+          <a:stretch>
+            <a:fillRect/>
+          </a:stretch>
+        </p:blipFill>
+        <p:spPr>
+          <a:xfrm>
+            <a:off x="432000" y="1584000"/>
+            <a:ext cx="3931920" cy="5502960"/>
+          </a:xfrm>
+          <a:prstGeom prst="rect">
+            <a:avLst/>
+          </a:prstGeom>
+          <a:ln>
+            <a:noFill/>
+          </a:ln>
+        </p:spPr>
+      </p:pic>
+      <p:pic>
+        <p:nvPicPr>
+          <p:cNvPr id="140" name="" descr=""/>
+          <p:cNvPicPr/>
+          <p:nvPr/>
+        </p:nvPicPr>
+        <p:blipFill>
+          <a:blip r:embed="rId2"/>
+          <a:stretch>
+            <a:fillRect/>
+          </a:stretch>
+        </p:blipFill>
+        <p:spPr>
+          <a:xfrm>
+            <a:off x="5040000" y="1668960"/>
+            <a:ext cx="4371480" cy="5459040"/>
+          </a:xfrm>
+          <a:prstGeom prst="rect">
+            <a:avLst/>
+          </a:prstGeom>
+          <a:ln>
+            <a:noFill/>
+          </a:ln>
+        </p:spPr>
+      </p:pic>
+    </p:spTree>
+  </p:cSld>
+  <p:timing>
+    <p:tnLst>
+      <p:par>
+        <p:cTn id="45" dur="indefinite" restart="never" nodeType="tmRoot">
+          <p:childTnLst>
+            <p:seq>
+              <p:cTn id="46" nodeType="mainSeq"/>
+              <p:prevCondLst>
+                <p:cond delay="0" evt="onPrev">
+                  <p:tgtEl>
+                    <p:sldTgt/>
+                  </p:tgtEl>
+                </p:cond>
+              </p:prevCondLst>
+              <p:nextCondLst>
+                <p:cond delay="0" evt="onNext">
+                  <p:tgtEl>
+                    <p:sldTgt/>
+                  </p:tgtEl>
+                </p:cond>
+              </p:nextCondLst>
+            </p:seq>
+          </p:childTnLst>
+        </p:cTn>
+      </p:par>
+    </p:tnLst>
+  </p:timing>
+</p:sld>
+</file>
+
+<file path=ppt/slides/slide24.xml><?xml version="1.0" encoding="utf-8"?>
+<p:sld xmlns:a="http://schemas.openxmlformats.org/drawingml/2006/main" xmlns:p="http://schemas.openxmlformats.org/presentationml/2006/main" xmlns:r="http://schemas.openxmlformats.org/officeDocument/2006/relationships">
+  <p:cSld>
+    <p:spTree>
+      <p:nvGrpSpPr>
+        <p:cNvPr id="1" name=""/>
+        <p:cNvGrpSpPr/>
+        <p:nvPr/>
+      </p:nvGrpSpPr>
+      <p:grpSpPr>
+        <a:xfrm>
+          <a:off x="0" y="0"/>
+          <a:ext cx="0" cy="0"/>
+          <a:chOff x="0" y="0"/>
+          <a:chExt cx="0" cy="0"/>
+        </a:xfrm>
+      </p:grpSpPr>
+      <p:sp>
+        <p:nvSpPr>
+          <p:cNvPr id="141" name="CustomShape 1"/>
+          <p:cNvSpPr/>
+          <p:nvPr/>
+        </p:nvSpPr>
+        <p:spPr>
+          <a:xfrm>
+            <a:off x="504000" y="576000"/>
+            <a:ext cx="7198560" cy="718560"/>
+          </a:xfrm>
+          <a:prstGeom prst="rect">
+            <a:avLst/>
+          </a:prstGeom>
+          <a:noFill/>
+          <a:ln>
+            <a:noFill/>
+          </a:ln>
+        </p:spPr>
+        <p:txBody>
+          <a:bodyPr lIns="0" rIns="0" tIns="0" bIns="0" anchor="ctr"/>
+          <a:p>
+            <a:r>
+              <a:rPr lang="en-IE" sz="2800">
+                <a:latin typeface="Arial"/>
+              </a:rPr>
+              <a:t>GUI Design – Android – Chat</a:t>
+            </a:r>
+            <a:endParaRPr/>
+          </a:p>
+        </p:txBody>
+      </p:sp>
+      <p:sp>
+        <p:nvSpPr>
+          <p:cNvPr id="142" name="CustomShape 2"/>
+          <p:cNvSpPr/>
+          <p:nvPr/>
+        </p:nvSpPr>
+        <p:spPr>
+          <a:xfrm>
+            <a:off x="504000" y="1769040"/>
+            <a:ext cx="9070200" cy="4383000"/>
+          </a:xfrm>
+          <a:prstGeom prst="rect">
+            <a:avLst/>
+          </a:prstGeom>
+          <a:noFill/>
+          <a:ln>
+            <a:noFill/>
+          </a:ln>
+        </p:spPr>
+      </p:sp>
+      <p:pic>
+        <p:nvPicPr>
+          <p:cNvPr id="143" name="" descr=""/>
+          <p:cNvPicPr/>
+          <p:nvPr/>
+        </p:nvPicPr>
+        <p:blipFill>
+          <a:blip r:embed="rId1"/>
+          <a:stretch>
+            <a:fillRect/>
+          </a:stretch>
+        </p:blipFill>
+        <p:spPr>
+          <a:xfrm>
+            <a:off x="420480" y="1376280"/>
+            <a:ext cx="3971520" cy="5895720"/>
+          </a:xfrm>
+          <a:prstGeom prst="rect">
+            <a:avLst/>
+          </a:prstGeom>
+          <a:ln>
+            <a:noFill/>
+          </a:ln>
+        </p:spPr>
+      </p:pic>
+      <p:pic>
+        <p:nvPicPr>
+          <p:cNvPr id="144" name="" descr=""/>
+          <p:cNvPicPr/>
+          <p:nvPr/>
+        </p:nvPicPr>
+        <p:blipFill>
+          <a:blip r:embed="rId2"/>
+          <a:stretch>
+            <a:fillRect/>
+          </a:stretch>
+        </p:blipFill>
+        <p:spPr>
+          <a:xfrm>
+            <a:off x="4911120" y="1440000"/>
+            <a:ext cx="4304880" cy="5832000"/>
+          </a:xfrm>
+          <a:prstGeom prst="rect">
+            <a:avLst/>
+          </a:prstGeom>
+          <a:ln>
+            <a:noFill/>
+          </a:ln>
+        </p:spPr>
+      </p:pic>
+    </p:spTree>
+  </p:cSld>
+  <p:timing>
+    <p:tnLst>
+      <p:par>
+        <p:cTn id="47" dur="indefinite" restart="never" nodeType="tmRoot">
+          <p:childTnLst>
+            <p:seq>
+              <p:cTn id="48" nodeType="mainSeq"/>
               <p:prevCondLst>
                 <p:cond delay="0" evt="onPrev">
                   <p:tgtEl>
@@ -4921,7 +5170,7 @@
         <p:spPr>
           <a:xfrm>
             <a:off x="504000" y="301320"/>
-            <a:ext cx="9070560" cy="1261080"/>
+            <a:ext cx="9070200" cy="1260720"/>
           </a:xfrm>
           <a:prstGeom prst="rect">
             <a:avLst/>
@@ -4953,7 +5202,7 @@
         <p:spPr>
           <a:xfrm>
             <a:off x="504000" y="1769040"/>
-            <a:ext cx="9070560" cy="4383360"/>
+            <a:ext cx="9070200" cy="4383000"/>
           </a:xfrm>
           <a:prstGeom prst="rect">
             <a:avLst/>
@@ -4975,11 +5224,22 @@
               <a:buChar char="l"/>
             </a:pPr>
             <a:r>
-              <a:rPr lang="en-IE" sz="4400">
+              <a:rPr lang="en-IE" sz="3600">
                 <a:latin typeface="Arial"/>
               </a:rPr>
               <a:t>Android application and a desktop application</a:t>
             </a:r>
+            <a:endParaRPr/>
+          </a:p>
+          <a:p>
+            <a:pPr>
+              <a:lnSpc>
+                <a:spcPct val="100000"/>
+              </a:lnSpc>
+              <a:buSzPct val="45000"/>
+              <a:buFont typeface="StarSymbol"/>
+              <a:buChar char="l"/>
+            </a:pPr>
             <a:endParaRPr/>
           </a:p>
           <a:p>
@@ -4992,11 +5252,22 @@
               <a:buChar char="l"/>
             </a:pPr>
             <a:r>
-              <a:rPr lang="en-IE" sz="4400">
+              <a:rPr lang="en-IE" sz="3600">
                 <a:latin typeface="Arial"/>
               </a:rPr>
               <a:t>Shared database</a:t>
             </a:r>
+            <a:endParaRPr/>
+          </a:p>
+          <a:p>
+            <a:pPr>
+              <a:lnSpc>
+                <a:spcPct val="100000"/>
+              </a:lnSpc>
+              <a:buSzPct val="45000"/>
+              <a:buFont typeface="StarSymbol"/>
+              <a:buChar char="l"/>
+            </a:pPr>
             <a:endParaRPr/>
           </a:p>
           <a:p>
@@ -5009,7 +5280,7 @@
               <a:buChar char="l"/>
             </a:pPr>
             <a:r>
-              <a:rPr lang="en-IE" sz="4400">
+              <a:rPr lang="en-IE" sz="3600">
                 <a:latin typeface="Arial"/>
               </a:rPr>
               <a:t>Cloud virtual machine</a:t>
@@ -5076,7 +5347,7 @@
         <p:spPr>
           <a:xfrm>
             <a:off x="504000" y="936000"/>
-            <a:ext cx="7198920" cy="718920"/>
+            <a:ext cx="7198560" cy="718560"/>
           </a:xfrm>
           <a:prstGeom prst="rect">
             <a:avLst/>
@@ -5111,7 +5382,7 @@
         <p:spPr>
           <a:xfrm>
             <a:off x="504000" y="1800000"/>
-            <a:ext cx="9070920" cy="4383360"/>
+            <a:ext cx="9070560" cy="4383000"/>
           </a:xfrm>
           <a:prstGeom prst="rect">
             <a:avLst/>
@@ -5133,11 +5404,22 @@
               <a:buChar char="l"/>
             </a:pPr>
             <a:r>
-              <a:rPr lang="en-IE" sz="4400">
+              <a:rPr lang="en-IE" sz="3600">
                 <a:latin typeface="Arial"/>
               </a:rPr>
               <a:t>A computer with Java installed</a:t>
             </a:r>
+            <a:endParaRPr/>
+          </a:p>
+          <a:p>
+            <a:pPr>
+              <a:lnSpc>
+                <a:spcPct val="100000"/>
+              </a:lnSpc>
+              <a:buSzPct val="45000"/>
+              <a:buFont typeface="StarSymbol"/>
+              <a:buChar char="l"/>
+            </a:pPr>
             <a:endParaRPr/>
           </a:p>
           <a:p>
@@ -5150,11 +5432,22 @@
               <a:buChar char="l"/>
             </a:pPr>
             <a:r>
-              <a:rPr lang="en-IE" sz="4400">
+              <a:rPr lang="en-IE" sz="3600">
                 <a:latin typeface="Arial"/>
               </a:rPr>
               <a:t>Access to the Internet</a:t>
             </a:r>
+            <a:endParaRPr/>
+          </a:p>
+          <a:p>
+            <a:pPr>
+              <a:lnSpc>
+                <a:spcPct val="100000"/>
+              </a:lnSpc>
+              <a:buSzPct val="45000"/>
+              <a:buFont typeface="StarSymbol"/>
+              <a:buChar char="l"/>
+            </a:pPr>
             <a:endParaRPr/>
           </a:p>
           <a:p>
@@ -5167,7 +5460,7 @@
               <a:buChar char="l"/>
             </a:pPr>
             <a:r>
-              <a:rPr lang="en-IE" sz="4400">
+              <a:rPr lang="en-IE" sz="3600">
                 <a:latin typeface="Arial"/>
               </a:rPr>
               <a:t>Android phone with access to the internet</a:t>
@@ -5234,7 +5527,7 @@
         <p:spPr>
           <a:xfrm>
             <a:off x="504000" y="576000"/>
-            <a:ext cx="7198920" cy="718920"/>
+            <a:ext cx="7198560" cy="718560"/>
           </a:xfrm>
           <a:prstGeom prst="rect">
             <a:avLst/>
@@ -5266,7 +5559,7 @@
         <p:spPr>
           <a:xfrm>
             <a:off x="504000" y="1769040"/>
-            <a:ext cx="9070560" cy="4383360"/>
+            <a:ext cx="9070200" cy="4383000"/>
           </a:xfrm>
           <a:prstGeom prst="rect">
             <a:avLst/>
@@ -5288,11 +5581,22 @@
               <a:buChar char="l"/>
             </a:pPr>
             <a:r>
-              <a:rPr lang="en-IE" sz="4400">
+              <a:rPr lang="en-IE" sz="3600">
                 <a:latin typeface="Arial"/>
               </a:rPr>
               <a:t>Android application and desktop application written in Java</a:t>
             </a:r>
+            <a:endParaRPr/>
+          </a:p>
+          <a:p>
+            <a:pPr>
+              <a:lnSpc>
+                <a:spcPct val="100000"/>
+              </a:lnSpc>
+              <a:buSzPct val="45000"/>
+              <a:buFont typeface="StarSymbol"/>
+              <a:buChar char="l"/>
+            </a:pPr>
             <a:endParaRPr/>
           </a:p>
           <a:p>
@@ -5305,11 +5609,22 @@
               <a:buChar char="l"/>
             </a:pPr>
             <a:r>
-              <a:rPr lang="en-IE" sz="4400">
+              <a:rPr lang="en-IE" sz="3600">
                 <a:latin typeface="Arial"/>
               </a:rPr>
               <a:t>Database written in MySQL</a:t>
             </a:r>
+            <a:endParaRPr/>
+          </a:p>
+          <a:p>
+            <a:pPr>
+              <a:lnSpc>
+                <a:spcPct val="100000"/>
+              </a:lnSpc>
+              <a:buSzPct val="45000"/>
+              <a:buFont typeface="StarSymbol"/>
+              <a:buChar char="l"/>
+            </a:pPr>
             <a:endParaRPr/>
           </a:p>
           <a:p>
@@ -5322,11 +5637,22 @@
               <a:buChar char="l"/>
             </a:pPr>
             <a:r>
-              <a:rPr lang="en-IE" sz="4400">
+              <a:rPr lang="en-IE" sz="3600">
                 <a:latin typeface="Arial"/>
               </a:rPr>
               <a:t>Okeanos VM</a:t>
             </a:r>
+            <a:endParaRPr/>
+          </a:p>
+          <a:p>
+            <a:pPr>
+              <a:lnSpc>
+                <a:spcPct val="100000"/>
+              </a:lnSpc>
+              <a:buSzPct val="45000"/>
+              <a:buFont typeface="StarSymbol"/>
+              <a:buChar char="l"/>
+            </a:pPr>
             <a:endParaRPr/>
           </a:p>
           <a:p>
@@ -5339,7 +5665,7 @@
               <a:buChar char="l"/>
             </a:pPr>
             <a:r>
-              <a:rPr lang="en-IE" sz="4400">
+              <a:rPr lang="en-IE" sz="3600">
                 <a:latin typeface="Arial"/>
               </a:rPr>
               <a:t>GitHub</a:t>
@@ -5406,7 +5732,7 @@
         <p:spPr>
           <a:xfrm>
             <a:off x="504000" y="576000"/>
-            <a:ext cx="7198920" cy="718920"/>
+            <a:ext cx="7198560" cy="718560"/>
           </a:xfrm>
           <a:prstGeom prst="rect">
             <a:avLst/>
@@ -5438,7 +5764,7 @@
         <p:spPr>
           <a:xfrm>
             <a:off x="504000" y="1769040"/>
-            <a:ext cx="9070560" cy="4383360"/>
+            <a:ext cx="9070200" cy="4383000"/>
           </a:xfrm>
           <a:prstGeom prst="rect">
             <a:avLst/>
@@ -5460,11 +5786,22 @@
               <a:buChar char="l"/>
             </a:pPr>
             <a:r>
-              <a:rPr lang="en-IE" sz="4400">
+              <a:rPr lang="en-IE" sz="3600">
                 <a:latin typeface="Arial"/>
               </a:rPr>
               <a:t>Okeanos VM constantly running</a:t>
             </a:r>
+            <a:endParaRPr/>
+          </a:p>
+          <a:p>
+            <a:pPr>
+              <a:lnSpc>
+                <a:spcPct val="100000"/>
+              </a:lnSpc>
+              <a:buSzPct val="45000"/>
+              <a:buFont typeface="StarSymbol"/>
+              <a:buChar char="l"/>
+            </a:pPr>
             <a:endParaRPr/>
           </a:p>
           <a:p>
@@ -5477,11 +5814,22 @@
               <a:buChar char="l"/>
             </a:pPr>
             <a:r>
-              <a:rPr lang="en-IE" sz="4400">
+              <a:rPr lang="en-IE" sz="3600">
                 <a:latin typeface="Arial"/>
               </a:rPr>
               <a:t>Database accessed using VM IP </a:t>
             </a:r>
+            <a:endParaRPr/>
+          </a:p>
+          <a:p>
+            <a:pPr>
+              <a:lnSpc>
+                <a:spcPct val="100000"/>
+              </a:lnSpc>
+              <a:buSzPct val="45000"/>
+              <a:buFont typeface="StarSymbol"/>
+              <a:buChar char="l"/>
+            </a:pPr>
             <a:endParaRPr/>
           </a:p>
           <a:p>
@@ -5494,11 +5842,22 @@
               <a:buChar char="l"/>
             </a:pPr>
             <a:r>
-              <a:rPr lang="en-IE" sz="4400">
+              <a:rPr lang="en-IE" sz="3600">
                 <a:latin typeface="Arial"/>
               </a:rPr>
               <a:t>Java application login – Mechanic or Admin</a:t>
             </a:r>
+            <a:endParaRPr/>
+          </a:p>
+          <a:p>
+            <a:pPr>
+              <a:lnSpc>
+                <a:spcPct val="100000"/>
+              </a:lnSpc>
+              <a:buSzPct val="45000"/>
+              <a:buFont typeface="StarSymbol"/>
+              <a:buChar char="l"/>
+            </a:pPr>
             <a:endParaRPr/>
           </a:p>
           <a:p>
@@ -5511,11 +5870,22 @@
               <a:buChar char="l"/>
             </a:pPr>
             <a:r>
-              <a:rPr lang="en-IE" sz="4400">
+              <a:rPr lang="en-IE" sz="3600">
                 <a:latin typeface="Arial"/>
               </a:rPr>
               <a:t>Android application – Mechanics only</a:t>
             </a:r>
+            <a:endParaRPr/>
+          </a:p>
+          <a:p>
+            <a:pPr>
+              <a:lnSpc>
+                <a:spcPct val="100000"/>
+              </a:lnSpc>
+              <a:buSzPct val="45000"/>
+              <a:buFont typeface="StarSymbol"/>
+              <a:buChar char="l"/>
+            </a:pPr>
             <a:endParaRPr/>
           </a:p>
           <a:p>
@@ -5528,7 +5898,7 @@
               <a:buChar char="l"/>
             </a:pPr>
             <a:r>
-              <a:rPr lang="en-IE" sz="4400">
+              <a:rPr lang="en-IE" sz="3600">
                 <a:latin typeface="Arial"/>
               </a:rPr>
               <a:t>Both access VM database</a:t>
@@ -5595,7 +5965,7 @@
         <p:spPr>
           <a:xfrm>
             <a:off x="504000" y="576000"/>
-            <a:ext cx="7198920" cy="718920"/>
+            <a:ext cx="7198560" cy="718560"/>
           </a:xfrm>
           <a:prstGeom prst="rect">
             <a:avLst/>
@@ -5627,7 +5997,7 @@
         <p:spPr>
           <a:xfrm>
             <a:off x="504000" y="1769040"/>
-            <a:ext cx="9070560" cy="4383360"/>
+            <a:ext cx="9070200" cy="4383000"/>
           </a:xfrm>
           <a:prstGeom prst="rect">
             <a:avLst/>
@@ -5653,7 +6023,7 @@
         <p:spPr>
           <a:xfrm>
             <a:off x="792000" y="1761120"/>
-            <a:ext cx="8496000" cy="5222880"/>
+            <a:ext cx="8495640" cy="5222520"/>
           </a:xfrm>
           <a:prstGeom prst="rect">
             <a:avLst/>
@@ -5721,7 +6091,7 @@
         <p:spPr>
           <a:xfrm>
             <a:off x="504000" y="576000"/>
-            <a:ext cx="7198920" cy="718920"/>
+            <a:ext cx="7198560" cy="718560"/>
           </a:xfrm>
           <a:prstGeom prst="rect">
             <a:avLst/>
@@ -5753,7 +6123,7 @@
         <p:spPr>
           <a:xfrm>
             <a:off x="504000" y="1769040"/>
-            <a:ext cx="9070560" cy="4383360"/>
+            <a:ext cx="9070200" cy="4383000"/>
           </a:xfrm>
           <a:prstGeom prst="rect">
             <a:avLst/>
@@ -5779,7 +6149,7 @@
         <p:spPr>
           <a:xfrm>
             <a:off x="504000" y="1656000"/>
-            <a:ext cx="9144000" cy="5400000"/>
+            <a:ext cx="9143640" cy="5399640"/>
           </a:xfrm>
           <a:prstGeom prst="rect">
             <a:avLst/>
@@ -5847,7 +6217,7 @@
         <p:spPr>
           <a:xfrm>
             <a:off x="504000" y="576000"/>
-            <a:ext cx="7198920" cy="718920"/>
+            <a:ext cx="7198560" cy="718560"/>
           </a:xfrm>
           <a:prstGeom prst="rect">
             <a:avLst/>
@@ -5879,7 +6249,7 @@
         <p:spPr>
           <a:xfrm>
             <a:off x="504000" y="1769040"/>
-            <a:ext cx="9070560" cy="4383360"/>
+            <a:ext cx="9070200" cy="4383000"/>
           </a:xfrm>
           <a:prstGeom prst="rect">
             <a:avLst/>
@@ -5905,7 +6275,7 @@
         <p:spPr>
           <a:xfrm>
             <a:off x="379800" y="1872000"/>
-            <a:ext cx="9196200" cy="5323320"/>
+            <a:ext cx="9195840" cy="5322960"/>
           </a:xfrm>
           <a:prstGeom prst="rect">
             <a:avLst/>
